--- a/lab&study/[STUDY]/fc/nodejs/3-0905-t/lecture_3.pptx
+++ b/lab&study/[STUDY]/fc/nodejs/3-0905-t/lecture_3.pptx
@@ -231,7 +231,7 @@
   </p:defaultTextStyle>
   <p:extLst>
     <p:ext uri="{EFAFB233-063F-42B5-8137-9DF3F51BA10A}">
-      <p15:sldGuideLst xmlns:p15="http://schemas.microsoft.com/office/powerpoint/2012/main" xmlns="">
+      <p15:sldGuideLst xmlns="" xmlns:p15="http://schemas.microsoft.com/office/powerpoint/2012/main">
         <p15:guide id="1" orient="horz" pos="2160">
           <p15:clr>
             <a:srgbClr val="A4A3A4"/>
@@ -330,7 +330,7 @@
           <a:p>
             <a:fld id="{3F4CC49F-1278-48BC-9FFC-6B573889F1AE}" type="datetimeFigureOut">
               <a:rPr lang="ko-KR" altLang="en-US" smtClean="0"/>
-              <a:t>17. 9. 5.</a:t>
+              <a:t>17. 9. 9.</a:t>
             </a:fld>
             <a:endParaRPr lang="ko-KR" altLang="en-US"/>
           </a:p>
@@ -1447,11 +1447,7 @@
           <a:p>
             <a:r>
               <a:rPr lang="en-US" dirty="0" err="1" smtClean="0"/>
-              <a:t>Jquery.P</a:t>
-            </a:r>
-            <a:r>
-              <a:rPr lang="en-US" dirty="0" err="1" smtClean="0"/>
-              <a:t>rototype</a:t>
+              <a:t>Jquery.Prototype</a:t>
             </a:r>
             <a:r>
               <a:rPr lang="en-US" dirty="0" smtClean="0"/>
@@ -2168,6 +2164,522 @@
 </p:notes>
 </file>
 
+<file path=ppt/notesSlides/notesSlide25.xml><?xml version="1.0" encoding="utf-8"?>
+<p:notes xmlns:a="http://schemas.openxmlformats.org/drawingml/2006/main" xmlns:r="http://schemas.openxmlformats.org/officeDocument/2006/relationships" xmlns:p="http://schemas.openxmlformats.org/presentationml/2006/main">
+  <p:cSld>
+    <p:spTree>
+      <p:nvGrpSpPr>
+        <p:cNvPr id="1" name=""/>
+        <p:cNvGrpSpPr/>
+        <p:nvPr/>
+      </p:nvGrpSpPr>
+      <p:grpSpPr>
+        <a:xfrm>
+          <a:off x="0" y="0"/>
+          <a:ext cx="0" cy="0"/>
+          <a:chOff x="0" y="0"/>
+          <a:chExt cx="0" cy="0"/>
+        </a:xfrm>
+      </p:grpSpPr>
+      <p:sp>
+        <p:nvSpPr>
+          <p:cNvPr id="2" name="Slide Image Placeholder 1"/>
+          <p:cNvSpPr>
+            <a:spLocks noGrp="1" noRot="1" noChangeAspect="1"/>
+          </p:cNvSpPr>
+          <p:nvPr>
+            <p:ph type="sldImg"/>
+          </p:nvPr>
+        </p:nvSpPr>
+        <p:spPr/>
+      </p:sp>
+      <p:sp>
+        <p:nvSpPr>
+          <p:cNvPr id="3" name="Notes Placeholder 2"/>
+          <p:cNvSpPr>
+            <a:spLocks noGrp="1"/>
+          </p:cNvSpPr>
+          <p:nvPr>
+            <p:ph type="body" idx="1"/>
+          </p:nvPr>
+        </p:nvSpPr>
+        <p:spPr/>
+        <p:txBody>
+          <a:bodyPr/>
+          <a:lstStyle/>
+          <a:p>
+            <a:r>
+              <a:rPr lang="en-US" sz="1200" kern="1200" dirty="0" err="1" smtClean="0">
+                <a:solidFill>
+                  <a:schemeClr val="tx1"/>
+                </a:solidFill>
+                <a:latin typeface="+mn-lt"/>
+                <a:ea typeface="+mn-ea"/>
+                <a:cs typeface="+mn-cs"/>
+              </a:rPr>
+              <a:t>mongod</a:t>
+            </a:r>
+            <a:r>
+              <a:rPr lang="en-US" sz="1200" kern="1200" dirty="0" smtClean="0">
+                <a:solidFill>
+                  <a:schemeClr val="tx1"/>
+                </a:solidFill>
+                <a:latin typeface="+mn-lt"/>
+                <a:ea typeface="+mn-ea"/>
+                <a:cs typeface="+mn-cs"/>
+              </a:rPr>
+              <a:t> 터미널에 입력하고 </a:t>
+            </a:r>
+            <a:r>
+              <a:rPr lang="en-US" sz="1200" kern="1200" dirty="0" err="1" smtClean="0">
+                <a:solidFill>
+                  <a:schemeClr val="tx1"/>
+                </a:solidFill>
+                <a:latin typeface="+mn-lt"/>
+                <a:ea typeface="+mn-ea"/>
+                <a:cs typeface="+mn-cs"/>
+              </a:rPr>
+              <a:t>robo</a:t>
+            </a:r>
+            <a:r>
+              <a:rPr lang="en-US" sz="1200" kern="1200" dirty="0" smtClean="0">
+                <a:solidFill>
+                  <a:schemeClr val="tx1"/>
+                </a:solidFill>
+                <a:latin typeface="+mn-lt"/>
+                <a:ea typeface="+mn-ea"/>
+                <a:cs typeface="+mn-cs"/>
+              </a:rPr>
+              <a:t> 실행해야지 connect 감 됨 </a:t>
+            </a:r>
+          </a:p>
+          <a:p>
+            <a:r>
+              <a:rPr lang="ko-KR" altLang="en-US" sz="1200" kern="1200" dirty="0" smtClean="0">
+                <a:solidFill>
+                  <a:schemeClr val="tx1"/>
+                </a:solidFill>
+                <a:latin typeface="+mn-lt"/>
+                <a:ea typeface="+mn-ea"/>
+                <a:cs typeface="+mn-cs"/>
+              </a:rPr>
+              <a:t>껏다 켯다해도 계속 실행이 되게 하려면 런치패드 검색해서 자동으로 되도록 해놓으면됨</a:t>
+            </a:r>
+            <a:endParaRPr lang="en-US" altLang="ko-KR" sz="1200" kern="1200" dirty="0" smtClean="0">
+              <a:solidFill>
+                <a:schemeClr val="tx1"/>
+              </a:solidFill>
+              <a:latin typeface="+mn-lt"/>
+              <a:ea typeface="+mn-ea"/>
+              <a:cs typeface="+mn-cs"/>
+            </a:endParaRPr>
+          </a:p>
+          <a:p>
+            <a:endParaRPr lang="en-US" sz="1200" kern="1200" dirty="0" smtClean="0">
+              <a:solidFill>
+                <a:schemeClr val="tx1"/>
+              </a:solidFill>
+              <a:latin typeface="+mn-lt"/>
+              <a:ea typeface="+mn-ea"/>
+              <a:cs typeface="+mn-cs"/>
+            </a:endParaRPr>
+          </a:p>
+          <a:p>
+            <a:endParaRPr lang="en-US" dirty="0"/>
+          </a:p>
+        </p:txBody>
+      </p:sp>
+      <p:sp>
+        <p:nvSpPr>
+          <p:cNvPr id="4" name="Slide Number Placeholder 3"/>
+          <p:cNvSpPr>
+            <a:spLocks noGrp="1"/>
+          </p:cNvSpPr>
+          <p:nvPr>
+            <p:ph type="sldNum" sz="quarter" idx="10"/>
+          </p:nvPr>
+        </p:nvSpPr>
+        <p:spPr/>
+        <p:txBody>
+          <a:bodyPr/>
+          <a:lstStyle/>
+          <a:p>
+            <a:fld id="{81BAF5B1-B7EF-4140-80A7-A787287C8810}" type="slidenum">
+              <a:rPr lang="ko-KR" altLang="en-US" smtClean="0"/>
+              <a:t>89</a:t>
+            </a:fld>
+            <a:endParaRPr lang="ko-KR" altLang="en-US"/>
+          </a:p>
+        </p:txBody>
+      </p:sp>
+    </p:spTree>
+    <p:extLst>
+      <p:ext uri="{BB962C8B-B14F-4D97-AF65-F5344CB8AC3E}">
+        <p14:creationId xmlns:p14="http://schemas.microsoft.com/office/powerpoint/2010/main" val="2256486894"/>
+      </p:ext>
+    </p:extLst>
+  </p:cSld>
+  <p:clrMapOvr>
+    <a:masterClrMapping/>
+  </p:clrMapOvr>
+</p:notes>
+</file>
+
+<file path=ppt/notesSlides/notesSlide26.xml><?xml version="1.0" encoding="utf-8"?>
+<p:notes xmlns:a="http://schemas.openxmlformats.org/drawingml/2006/main" xmlns:r="http://schemas.openxmlformats.org/officeDocument/2006/relationships" xmlns:p="http://schemas.openxmlformats.org/presentationml/2006/main">
+  <p:cSld>
+    <p:spTree>
+      <p:nvGrpSpPr>
+        <p:cNvPr id="1" name=""/>
+        <p:cNvGrpSpPr/>
+        <p:nvPr/>
+      </p:nvGrpSpPr>
+      <p:grpSpPr>
+        <a:xfrm>
+          <a:off x="0" y="0"/>
+          <a:ext cx="0" cy="0"/>
+          <a:chOff x="0" y="0"/>
+          <a:chExt cx="0" cy="0"/>
+        </a:xfrm>
+      </p:grpSpPr>
+      <p:sp>
+        <p:nvSpPr>
+          <p:cNvPr id="2" name="Slide Image Placeholder 1"/>
+          <p:cNvSpPr>
+            <a:spLocks noGrp="1" noRot="1" noChangeAspect="1"/>
+          </p:cNvSpPr>
+          <p:nvPr>
+            <p:ph type="sldImg"/>
+          </p:nvPr>
+        </p:nvSpPr>
+        <p:spPr/>
+      </p:sp>
+      <p:sp>
+        <p:nvSpPr>
+          <p:cNvPr id="3" name="Notes Placeholder 2"/>
+          <p:cNvSpPr>
+            <a:spLocks noGrp="1"/>
+          </p:cNvSpPr>
+          <p:nvPr>
+            <p:ph type="body" idx="1"/>
+          </p:nvPr>
+        </p:nvSpPr>
+        <p:spPr/>
+        <p:txBody>
+          <a:bodyPr/>
+          <a:lstStyle/>
+          <a:p>
+            <a:endParaRPr lang="en-US" dirty="0"/>
+          </a:p>
+        </p:txBody>
+      </p:sp>
+      <p:sp>
+        <p:nvSpPr>
+          <p:cNvPr id="4" name="Slide Number Placeholder 3"/>
+          <p:cNvSpPr>
+            <a:spLocks noGrp="1"/>
+          </p:cNvSpPr>
+          <p:nvPr>
+            <p:ph type="sldNum" sz="quarter" idx="10"/>
+          </p:nvPr>
+        </p:nvSpPr>
+        <p:spPr/>
+        <p:txBody>
+          <a:bodyPr/>
+          <a:lstStyle/>
+          <a:p>
+            <a:fld id="{81BAF5B1-B7EF-4140-80A7-A787287C8810}" type="slidenum">
+              <a:rPr lang="ko-KR" altLang="en-US" smtClean="0"/>
+              <a:t>90</a:t>
+            </a:fld>
+            <a:endParaRPr lang="ko-KR" altLang="en-US"/>
+          </a:p>
+        </p:txBody>
+      </p:sp>
+    </p:spTree>
+    <p:extLst>
+      <p:ext uri="{BB962C8B-B14F-4D97-AF65-F5344CB8AC3E}">
+        <p14:creationId xmlns:p14="http://schemas.microsoft.com/office/powerpoint/2010/main" val="4102085665"/>
+      </p:ext>
+    </p:extLst>
+  </p:cSld>
+  <p:clrMapOvr>
+    <a:masterClrMapping/>
+  </p:clrMapOvr>
+</p:notes>
+</file>
+
+<file path=ppt/notesSlides/notesSlide27.xml><?xml version="1.0" encoding="utf-8"?>
+<p:notes xmlns:a="http://schemas.openxmlformats.org/drawingml/2006/main" xmlns:r="http://schemas.openxmlformats.org/officeDocument/2006/relationships" xmlns:p="http://schemas.openxmlformats.org/presentationml/2006/main">
+  <p:cSld>
+    <p:spTree>
+      <p:nvGrpSpPr>
+        <p:cNvPr id="1" name=""/>
+        <p:cNvGrpSpPr/>
+        <p:nvPr/>
+      </p:nvGrpSpPr>
+      <p:grpSpPr>
+        <a:xfrm>
+          <a:off x="0" y="0"/>
+          <a:ext cx="0" cy="0"/>
+          <a:chOff x="0" y="0"/>
+          <a:chExt cx="0" cy="0"/>
+        </a:xfrm>
+      </p:grpSpPr>
+      <p:sp>
+        <p:nvSpPr>
+          <p:cNvPr id="2" name="Slide Image Placeholder 1"/>
+          <p:cNvSpPr>
+            <a:spLocks noGrp="1" noRot="1" noChangeAspect="1"/>
+          </p:cNvSpPr>
+          <p:nvPr>
+            <p:ph type="sldImg"/>
+          </p:nvPr>
+        </p:nvSpPr>
+        <p:spPr/>
+      </p:sp>
+      <p:sp>
+        <p:nvSpPr>
+          <p:cNvPr id="3" name="Notes Placeholder 2"/>
+          <p:cNvSpPr>
+            <a:spLocks noGrp="1"/>
+          </p:cNvSpPr>
+          <p:nvPr>
+            <p:ph type="body" idx="1"/>
+          </p:nvPr>
+        </p:nvSpPr>
+        <p:spPr/>
+        <p:txBody>
+          <a:bodyPr/>
+          <a:lstStyle/>
+          <a:p>
+            <a:r>
+              <a:rPr lang="ko-KR" altLang="en-US" dirty="0" smtClean="0"/>
+              <a:t>새창을 띄어서 실행해야</a:t>
+            </a:r>
+            <a:r>
+              <a:rPr lang="ko-KR" altLang="en-US" dirty="0" smtClean="0"/>
+              <a:t>함</a:t>
+            </a:r>
+            <a:endParaRPr lang="en-US" dirty="0"/>
+          </a:p>
+        </p:txBody>
+      </p:sp>
+      <p:sp>
+        <p:nvSpPr>
+          <p:cNvPr id="4" name="Slide Number Placeholder 3"/>
+          <p:cNvSpPr>
+            <a:spLocks noGrp="1"/>
+          </p:cNvSpPr>
+          <p:nvPr>
+            <p:ph type="sldNum" sz="quarter" idx="10"/>
+          </p:nvPr>
+        </p:nvSpPr>
+        <p:spPr/>
+        <p:txBody>
+          <a:bodyPr/>
+          <a:lstStyle/>
+          <a:p>
+            <a:fld id="{81BAF5B1-B7EF-4140-80A7-A787287C8810}" type="slidenum">
+              <a:rPr lang="ko-KR" altLang="en-US" smtClean="0"/>
+              <a:t>94</a:t>
+            </a:fld>
+            <a:endParaRPr lang="ko-KR" altLang="en-US"/>
+          </a:p>
+        </p:txBody>
+      </p:sp>
+    </p:spTree>
+    <p:extLst>
+      <p:ext uri="{BB962C8B-B14F-4D97-AF65-F5344CB8AC3E}">
+        <p14:creationId xmlns:p14="http://schemas.microsoft.com/office/powerpoint/2010/main" val="331213238"/>
+      </p:ext>
+    </p:extLst>
+  </p:cSld>
+  <p:clrMapOvr>
+    <a:masterClrMapping/>
+  </p:clrMapOvr>
+</p:notes>
+</file>
+
+<file path=ppt/notesSlides/notesSlide28.xml><?xml version="1.0" encoding="utf-8"?>
+<p:notes xmlns:a="http://schemas.openxmlformats.org/drawingml/2006/main" xmlns:r="http://schemas.openxmlformats.org/officeDocument/2006/relationships" xmlns:p="http://schemas.openxmlformats.org/presentationml/2006/main">
+  <p:cSld>
+    <p:spTree>
+      <p:nvGrpSpPr>
+        <p:cNvPr id="1" name=""/>
+        <p:cNvGrpSpPr/>
+        <p:nvPr/>
+      </p:nvGrpSpPr>
+      <p:grpSpPr>
+        <a:xfrm>
+          <a:off x="0" y="0"/>
+          <a:ext cx="0" cy="0"/>
+          <a:chOff x="0" y="0"/>
+          <a:chExt cx="0" cy="0"/>
+        </a:xfrm>
+      </p:grpSpPr>
+      <p:sp>
+        <p:nvSpPr>
+          <p:cNvPr id="2" name="Slide Image Placeholder 1"/>
+          <p:cNvSpPr>
+            <a:spLocks noGrp="1" noRot="1" noChangeAspect="1"/>
+          </p:cNvSpPr>
+          <p:nvPr>
+            <p:ph type="sldImg"/>
+          </p:nvPr>
+        </p:nvSpPr>
+        <p:spPr/>
+      </p:sp>
+      <p:sp>
+        <p:nvSpPr>
+          <p:cNvPr id="3" name="Notes Placeholder 2"/>
+          <p:cNvSpPr>
+            <a:spLocks noGrp="1"/>
+          </p:cNvSpPr>
+          <p:nvPr>
+            <p:ph type="body" idx="1"/>
+          </p:nvPr>
+        </p:nvSpPr>
+        <p:spPr/>
+        <p:txBody>
+          <a:bodyPr/>
+          <a:lstStyle/>
+          <a:p>
+            <a:r>
+              <a:rPr lang="ko-KR" altLang="en-US" dirty="0" smtClean="0"/>
+              <a:t>개발툴에 복사해서 작은따옴표 다시 입력후 터미널에 복사해야만 실행됨</a:t>
+            </a:r>
+            <a:endParaRPr lang="en-US" altLang="ko-KR" dirty="0" smtClean="0"/>
+          </a:p>
+          <a:p>
+            <a:endParaRPr lang="en-US" dirty="0"/>
+          </a:p>
+        </p:txBody>
+      </p:sp>
+      <p:sp>
+        <p:nvSpPr>
+          <p:cNvPr id="4" name="Slide Number Placeholder 3"/>
+          <p:cNvSpPr>
+            <a:spLocks noGrp="1"/>
+          </p:cNvSpPr>
+          <p:nvPr>
+            <p:ph type="sldNum" sz="quarter" idx="10"/>
+          </p:nvPr>
+        </p:nvSpPr>
+        <p:spPr/>
+        <p:txBody>
+          <a:bodyPr/>
+          <a:lstStyle/>
+          <a:p>
+            <a:fld id="{81BAF5B1-B7EF-4140-80A7-A787287C8810}" type="slidenum">
+              <a:rPr lang="ko-KR" altLang="en-US" smtClean="0"/>
+              <a:t>103</a:t>
+            </a:fld>
+            <a:endParaRPr lang="ko-KR" altLang="en-US"/>
+          </a:p>
+        </p:txBody>
+      </p:sp>
+    </p:spTree>
+    <p:extLst>
+      <p:ext uri="{BB962C8B-B14F-4D97-AF65-F5344CB8AC3E}">
+        <p14:creationId xmlns:p14="http://schemas.microsoft.com/office/powerpoint/2010/main" val="357134070"/>
+      </p:ext>
+    </p:extLst>
+  </p:cSld>
+  <p:clrMapOvr>
+    <a:masterClrMapping/>
+  </p:clrMapOvr>
+</p:notes>
+</file>
+
+<file path=ppt/notesSlides/notesSlide29.xml><?xml version="1.0" encoding="utf-8"?>
+<p:notes xmlns:a="http://schemas.openxmlformats.org/drawingml/2006/main" xmlns:r="http://schemas.openxmlformats.org/officeDocument/2006/relationships" xmlns:p="http://schemas.openxmlformats.org/presentationml/2006/main">
+  <p:cSld>
+    <p:spTree>
+      <p:nvGrpSpPr>
+        <p:cNvPr id="1" name=""/>
+        <p:cNvGrpSpPr/>
+        <p:nvPr/>
+      </p:nvGrpSpPr>
+      <p:grpSpPr>
+        <a:xfrm>
+          <a:off x="0" y="0"/>
+          <a:ext cx="0" cy="0"/>
+          <a:chOff x="0" y="0"/>
+          <a:chExt cx="0" cy="0"/>
+        </a:xfrm>
+      </p:grpSpPr>
+      <p:sp>
+        <p:nvSpPr>
+          <p:cNvPr id="2" name="Slide Image Placeholder 1"/>
+          <p:cNvSpPr>
+            <a:spLocks noGrp="1" noRot="1" noChangeAspect="1"/>
+          </p:cNvSpPr>
+          <p:nvPr>
+            <p:ph type="sldImg"/>
+          </p:nvPr>
+        </p:nvSpPr>
+        <p:spPr/>
+      </p:sp>
+      <p:sp>
+        <p:nvSpPr>
+          <p:cNvPr id="3" name="Notes Placeholder 2"/>
+          <p:cNvSpPr>
+            <a:spLocks noGrp="1"/>
+          </p:cNvSpPr>
+          <p:nvPr>
+            <p:ph type="body" idx="1"/>
+          </p:nvPr>
+        </p:nvSpPr>
+        <p:spPr/>
+        <p:txBody>
+          <a:bodyPr/>
+          <a:lstStyle/>
+          <a:p>
+            <a:r>
+              <a:rPr lang="ko-KR" altLang="en-US" dirty="0" smtClean="0"/>
+              <a:t>테스트 데이터 생성</a:t>
+            </a:r>
+            <a:endParaRPr lang="en-US" dirty="0"/>
+          </a:p>
+        </p:txBody>
+      </p:sp>
+      <p:sp>
+        <p:nvSpPr>
+          <p:cNvPr id="4" name="Slide Number Placeholder 3"/>
+          <p:cNvSpPr>
+            <a:spLocks noGrp="1"/>
+          </p:cNvSpPr>
+          <p:nvPr>
+            <p:ph type="sldNum" sz="quarter" idx="10"/>
+          </p:nvPr>
+        </p:nvSpPr>
+        <p:spPr/>
+        <p:txBody>
+          <a:bodyPr/>
+          <a:lstStyle/>
+          <a:p>
+            <a:fld id="{81BAF5B1-B7EF-4140-80A7-A787287C8810}" type="slidenum">
+              <a:rPr lang="ko-KR" altLang="en-US" smtClean="0"/>
+              <a:t>108</a:t>
+            </a:fld>
+            <a:endParaRPr lang="ko-KR" altLang="en-US"/>
+          </a:p>
+        </p:txBody>
+      </p:sp>
+    </p:spTree>
+    <p:extLst>
+      <p:ext uri="{BB962C8B-B14F-4D97-AF65-F5344CB8AC3E}">
+        <p14:creationId xmlns:p14="http://schemas.microsoft.com/office/powerpoint/2010/main" val="3328040950"/>
+      </p:ext>
+    </p:extLst>
+  </p:cSld>
+  <p:clrMapOvr>
+    <a:masterClrMapping/>
+  </p:clrMapOvr>
+</p:notes>
+</file>
+
 <file path=ppt/notesSlides/notesSlide3.xml><?xml version="1.0" encoding="utf-8"?>
 <p:notes xmlns:a="http://schemas.openxmlformats.org/drawingml/2006/main" xmlns:r="http://schemas.openxmlformats.org/officeDocument/2006/relationships" xmlns:p="http://schemas.openxmlformats.org/presentationml/2006/main">
   <p:cSld>
@@ -2243,6 +2755,550 @@
     <p:extLst>
       <p:ext uri="{BB962C8B-B14F-4D97-AF65-F5344CB8AC3E}">
         <p14:creationId xmlns:p14="http://schemas.microsoft.com/office/powerpoint/2010/main" val="802005702"/>
+      </p:ext>
+    </p:extLst>
+  </p:cSld>
+  <p:clrMapOvr>
+    <a:masterClrMapping/>
+  </p:clrMapOvr>
+</p:notes>
+</file>
+
+<file path=ppt/notesSlides/notesSlide30.xml><?xml version="1.0" encoding="utf-8"?>
+<p:notes xmlns:a="http://schemas.openxmlformats.org/drawingml/2006/main" xmlns:r="http://schemas.openxmlformats.org/officeDocument/2006/relationships" xmlns:p="http://schemas.openxmlformats.org/presentationml/2006/main">
+  <p:cSld>
+    <p:spTree>
+      <p:nvGrpSpPr>
+        <p:cNvPr id="1" name=""/>
+        <p:cNvGrpSpPr/>
+        <p:nvPr/>
+      </p:nvGrpSpPr>
+      <p:grpSpPr>
+        <a:xfrm>
+          <a:off x="0" y="0"/>
+          <a:ext cx="0" cy="0"/>
+          <a:chOff x="0" y="0"/>
+          <a:chExt cx="0" cy="0"/>
+        </a:xfrm>
+      </p:grpSpPr>
+      <p:sp>
+        <p:nvSpPr>
+          <p:cNvPr id="2" name="Slide Image Placeholder 1"/>
+          <p:cNvSpPr>
+            <a:spLocks noGrp="1" noRot="1" noChangeAspect="1"/>
+          </p:cNvSpPr>
+          <p:nvPr>
+            <p:ph type="sldImg"/>
+          </p:nvPr>
+        </p:nvSpPr>
+        <p:spPr/>
+      </p:sp>
+      <p:sp>
+        <p:nvSpPr>
+          <p:cNvPr id="3" name="Notes Placeholder 2"/>
+          <p:cNvSpPr>
+            <a:spLocks noGrp="1"/>
+          </p:cNvSpPr>
+          <p:nvPr>
+            <p:ph type="body" idx="1"/>
+          </p:nvPr>
+        </p:nvSpPr>
+        <p:spPr/>
+        <p:txBody>
+          <a:bodyPr/>
+          <a:lstStyle/>
+          <a:p>
+            <a:pPr marL="0" marR="0" indent="0" algn="l" defTabSz="914400" rtl="0" eaLnBrk="1" fontAlgn="auto" latinLnBrk="1" hangingPunct="1">
+              <a:lnSpc>
+                <a:spcPct val="100000"/>
+              </a:lnSpc>
+              <a:spcBef>
+                <a:spcPts val="0"/>
+              </a:spcBef>
+              <a:spcAft>
+                <a:spcPts val="0"/>
+              </a:spcAft>
+              <a:buClrTx/>
+              <a:buSzTx/>
+              <a:buFontTx/>
+              <a:buNone/>
+              <a:tabLst/>
+              <a:defRPr/>
+            </a:pPr>
+            <a:r>
+              <a:rPr lang="en-US" altLang="ko-KR" sz="1200" dirty="0" err="1" smtClean="0"/>
+              <a:t>db.board.find</a:t>
+            </a:r>
+            <a:r>
+              <a:rPr lang="en-US" altLang="ko-KR" sz="1200" dirty="0" smtClean="0"/>
+              <a:t>( { "writer" : "admin" , "title" : "Hello" } ).pretty()</a:t>
+            </a:r>
+            <a:endParaRPr lang="ko-KR" altLang="en-US" sz="1200" dirty="0" smtClean="0"/>
+          </a:p>
+          <a:p>
+            <a:endParaRPr lang="en-US" dirty="0"/>
+          </a:p>
+        </p:txBody>
+      </p:sp>
+      <p:sp>
+        <p:nvSpPr>
+          <p:cNvPr id="4" name="Slide Number Placeholder 3"/>
+          <p:cNvSpPr>
+            <a:spLocks noGrp="1"/>
+          </p:cNvSpPr>
+          <p:nvPr>
+            <p:ph type="sldNum" sz="quarter" idx="10"/>
+          </p:nvPr>
+        </p:nvSpPr>
+        <p:spPr/>
+        <p:txBody>
+          <a:bodyPr/>
+          <a:lstStyle/>
+          <a:p>
+            <a:fld id="{81BAF5B1-B7EF-4140-80A7-A787287C8810}" type="slidenum">
+              <a:rPr lang="ko-KR" altLang="en-US" smtClean="0"/>
+              <a:t>110</a:t>
+            </a:fld>
+            <a:endParaRPr lang="ko-KR" altLang="en-US"/>
+          </a:p>
+        </p:txBody>
+      </p:sp>
+    </p:spTree>
+    <p:extLst>
+      <p:ext uri="{BB962C8B-B14F-4D97-AF65-F5344CB8AC3E}">
+        <p14:creationId xmlns:p14="http://schemas.microsoft.com/office/powerpoint/2010/main" val="1676271409"/>
+      </p:ext>
+    </p:extLst>
+  </p:cSld>
+  <p:clrMapOvr>
+    <a:masterClrMapping/>
+  </p:clrMapOvr>
+</p:notes>
+</file>
+
+<file path=ppt/notesSlides/notesSlide31.xml><?xml version="1.0" encoding="utf-8"?>
+<p:notes xmlns:a="http://schemas.openxmlformats.org/drawingml/2006/main" xmlns:r="http://schemas.openxmlformats.org/officeDocument/2006/relationships" xmlns:p="http://schemas.openxmlformats.org/presentationml/2006/main">
+  <p:cSld>
+    <p:spTree>
+      <p:nvGrpSpPr>
+        <p:cNvPr id="1" name=""/>
+        <p:cNvGrpSpPr/>
+        <p:nvPr/>
+      </p:nvGrpSpPr>
+      <p:grpSpPr>
+        <a:xfrm>
+          <a:off x="0" y="0"/>
+          <a:ext cx="0" cy="0"/>
+          <a:chOff x="0" y="0"/>
+          <a:chExt cx="0" cy="0"/>
+        </a:xfrm>
+      </p:grpSpPr>
+      <p:sp>
+        <p:nvSpPr>
+          <p:cNvPr id="2" name="Slide Image Placeholder 1"/>
+          <p:cNvSpPr>
+            <a:spLocks noGrp="1" noRot="1" noChangeAspect="1"/>
+          </p:cNvSpPr>
+          <p:nvPr>
+            <p:ph type="sldImg"/>
+          </p:nvPr>
+        </p:nvSpPr>
+        <p:spPr/>
+      </p:sp>
+      <p:sp>
+        <p:nvSpPr>
+          <p:cNvPr id="3" name="Notes Placeholder 2"/>
+          <p:cNvSpPr>
+            <a:spLocks noGrp="1"/>
+          </p:cNvSpPr>
+          <p:nvPr>
+            <p:ph type="body" idx="1"/>
+          </p:nvPr>
+        </p:nvSpPr>
+        <p:spPr/>
+        <p:txBody>
+          <a:bodyPr/>
+          <a:lstStyle/>
+          <a:p>
+            <a:endParaRPr lang="en-US" dirty="0"/>
+          </a:p>
+        </p:txBody>
+      </p:sp>
+      <p:sp>
+        <p:nvSpPr>
+          <p:cNvPr id="4" name="Slide Number Placeholder 3"/>
+          <p:cNvSpPr>
+            <a:spLocks noGrp="1"/>
+          </p:cNvSpPr>
+          <p:nvPr>
+            <p:ph type="sldNum" sz="quarter" idx="10"/>
+          </p:nvPr>
+        </p:nvSpPr>
+        <p:spPr/>
+        <p:txBody>
+          <a:bodyPr/>
+          <a:lstStyle/>
+          <a:p>
+            <a:fld id="{81BAF5B1-B7EF-4140-80A7-A787287C8810}" type="slidenum">
+              <a:rPr lang="ko-KR" altLang="en-US" smtClean="0"/>
+              <a:t>112</a:t>
+            </a:fld>
+            <a:endParaRPr lang="ko-KR" altLang="en-US"/>
+          </a:p>
+        </p:txBody>
+      </p:sp>
+    </p:spTree>
+    <p:extLst>
+      <p:ext uri="{BB962C8B-B14F-4D97-AF65-F5344CB8AC3E}">
+        <p14:creationId xmlns:p14="http://schemas.microsoft.com/office/powerpoint/2010/main" val="2462835348"/>
+      </p:ext>
+    </p:extLst>
+  </p:cSld>
+  <p:clrMapOvr>
+    <a:masterClrMapping/>
+  </p:clrMapOvr>
+</p:notes>
+</file>
+
+<file path=ppt/notesSlides/notesSlide32.xml><?xml version="1.0" encoding="utf-8"?>
+<p:notes xmlns:a="http://schemas.openxmlformats.org/drawingml/2006/main" xmlns:r="http://schemas.openxmlformats.org/officeDocument/2006/relationships" xmlns:p="http://schemas.openxmlformats.org/presentationml/2006/main">
+  <p:cSld>
+    <p:spTree>
+      <p:nvGrpSpPr>
+        <p:cNvPr id="1" name=""/>
+        <p:cNvGrpSpPr/>
+        <p:nvPr/>
+      </p:nvGrpSpPr>
+      <p:grpSpPr>
+        <a:xfrm>
+          <a:off x="0" y="0"/>
+          <a:ext cx="0" cy="0"/>
+          <a:chOff x="0" y="0"/>
+          <a:chExt cx="0" cy="0"/>
+        </a:xfrm>
+      </p:grpSpPr>
+      <p:sp>
+        <p:nvSpPr>
+          <p:cNvPr id="2" name="Slide Image Placeholder 1"/>
+          <p:cNvSpPr>
+            <a:spLocks noGrp="1" noRot="1" noChangeAspect="1"/>
+          </p:cNvSpPr>
+          <p:nvPr>
+            <p:ph type="sldImg"/>
+          </p:nvPr>
+        </p:nvSpPr>
+        <p:spPr/>
+      </p:sp>
+      <p:sp>
+        <p:nvSpPr>
+          <p:cNvPr id="3" name="Notes Placeholder 2"/>
+          <p:cNvSpPr>
+            <a:spLocks noGrp="1"/>
+          </p:cNvSpPr>
+          <p:nvPr>
+            <p:ph type="body" idx="1"/>
+          </p:nvPr>
+        </p:nvSpPr>
+        <p:spPr/>
+        <p:txBody>
+          <a:bodyPr/>
+          <a:lstStyle/>
+          <a:p>
+            <a:endParaRPr lang="en-US" dirty="0"/>
+          </a:p>
+        </p:txBody>
+      </p:sp>
+      <p:sp>
+        <p:nvSpPr>
+          <p:cNvPr id="4" name="Slide Number Placeholder 3"/>
+          <p:cNvSpPr>
+            <a:spLocks noGrp="1"/>
+          </p:cNvSpPr>
+          <p:nvPr>
+            <p:ph type="sldNum" sz="quarter" idx="10"/>
+          </p:nvPr>
+        </p:nvSpPr>
+        <p:spPr/>
+        <p:txBody>
+          <a:bodyPr/>
+          <a:lstStyle/>
+          <a:p>
+            <a:fld id="{81BAF5B1-B7EF-4140-80A7-A787287C8810}" type="slidenum">
+              <a:rPr lang="ko-KR" altLang="en-US" smtClean="0"/>
+              <a:t>113</a:t>
+            </a:fld>
+            <a:endParaRPr lang="ko-KR" altLang="en-US"/>
+          </a:p>
+        </p:txBody>
+      </p:sp>
+    </p:spTree>
+    <p:extLst>
+      <p:ext uri="{BB962C8B-B14F-4D97-AF65-F5344CB8AC3E}">
+        <p14:creationId xmlns:p14="http://schemas.microsoft.com/office/powerpoint/2010/main" val="3785684385"/>
+      </p:ext>
+    </p:extLst>
+  </p:cSld>
+  <p:clrMapOvr>
+    <a:masterClrMapping/>
+  </p:clrMapOvr>
+</p:notes>
+</file>
+
+<file path=ppt/notesSlides/notesSlide33.xml><?xml version="1.0" encoding="utf-8"?>
+<p:notes xmlns:a="http://schemas.openxmlformats.org/drawingml/2006/main" xmlns:r="http://schemas.openxmlformats.org/officeDocument/2006/relationships" xmlns:p="http://schemas.openxmlformats.org/presentationml/2006/main">
+  <p:cSld>
+    <p:spTree>
+      <p:nvGrpSpPr>
+        <p:cNvPr id="1" name=""/>
+        <p:cNvGrpSpPr/>
+        <p:nvPr/>
+      </p:nvGrpSpPr>
+      <p:grpSpPr>
+        <a:xfrm>
+          <a:off x="0" y="0"/>
+          <a:ext cx="0" cy="0"/>
+          <a:chOff x="0" y="0"/>
+          <a:chExt cx="0" cy="0"/>
+        </a:xfrm>
+      </p:grpSpPr>
+      <p:sp>
+        <p:nvSpPr>
+          <p:cNvPr id="2" name="Slide Image Placeholder 1"/>
+          <p:cNvSpPr>
+            <a:spLocks noGrp="1" noRot="1" noChangeAspect="1"/>
+          </p:cNvSpPr>
+          <p:nvPr>
+            <p:ph type="sldImg"/>
+          </p:nvPr>
+        </p:nvSpPr>
+        <p:spPr/>
+      </p:sp>
+      <p:sp>
+        <p:nvSpPr>
+          <p:cNvPr id="3" name="Notes Placeholder 2"/>
+          <p:cNvSpPr>
+            <a:spLocks noGrp="1"/>
+          </p:cNvSpPr>
+          <p:nvPr>
+            <p:ph type="body" idx="1"/>
+          </p:nvPr>
+        </p:nvSpPr>
+        <p:spPr/>
+        <p:txBody>
+          <a:bodyPr/>
+          <a:lstStyle/>
+          <a:p>
+            <a:pPr marL="0" marR="0" indent="0" algn="l" defTabSz="914400" rtl="0" eaLnBrk="1" fontAlgn="auto" latinLnBrk="1" hangingPunct="1">
+              <a:lnSpc>
+                <a:spcPct val="100000"/>
+              </a:lnSpc>
+              <a:spcBef>
+                <a:spcPts val="0"/>
+              </a:spcBef>
+              <a:spcAft>
+                <a:spcPts val="0"/>
+              </a:spcAft>
+              <a:buClrTx/>
+              <a:buSzTx/>
+              <a:buFontTx/>
+              <a:buNone/>
+              <a:tabLst/>
+              <a:defRPr/>
+            </a:pPr>
+            <a:r>
+              <a:rPr lang="en-US" altLang="ko-KR" sz="1200" dirty="0" smtClean="0"/>
+              <a:t>db.</a:t>
+            </a:r>
+            <a:r>
+              <a:rPr lang="ko-KR" altLang="en-US" sz="1200" dirty="0" smtClean="0"/>
+              <a:t>콜렉션이름</a:t>
+            </a:r>
+            <a:r>
+              <a:rPr lang="en-US" altLang="ko-KR" sz="1200" dirty="0" smtClean="0"/>
+              <a:t>.find( query, projection )</a:t>
+            </a:r>
+          </a:p>
+          <a:p>
+            <a:endParaRPr lang="en-US" dirty="0" smtClean="0"/>
+          </a:p>
+          <a:p>
+            <a:r>
+              <a:rPr lang="ko-KR" altLang="en-US" dirty="0" smtClean="0"/>
+              <a:t>질문 </a:t>
+            </a:r>
+            <a:r>
+              <a:rPr lang="en-US" dirty="0" smtClean="0"/>
+              <a:t>{</a:t>
+            </a:r>
+            <a:r>
+              <a:rPr lang="ko-KR" altLang="en-US" dirty="0" smtClean="0"/>
+              <a:t> </a:t>
+            </a:r>
+            <a:r>
+              <a:rPr lang="en-US" altLang="ko-KR" dirty="0" smtClean="0"/>
+              <a:t>}</a:t>
+            </a:r>
+            <a:r>
+              <a:rPr lang="ko-KR" altLang="en-US" dirty="0" smtClean="0"/>
+              <a:t> 부분이 쿼리 부분인건가요</a:t>
+            </a:r>
+            <a:r>
+              <a:rPr lang="en-US" altLang="ko-KR" dirty="0" smtClean="0"/>
+              <a:t>?</a:t>
+            </a:r>
+            <a:r>
+              <a:rPr lang="ko-KR" altLang="en-US" dirty="0" smtClean="0"/>
+              <a:t> </a:t>
+            </a:r>
+            <a:endParaRPr lang="en-US" altLang="ko-KR" dirty="0" smtClean="0"/>
+          </a:p>
+          <a:p>
+            <a:r>
+              <a:rPr lang="en-US" altLang="ko-KR" dirty="0" smtClean="0"/>
+              <a:t>-</a:t>
+            </a:r>
+            <a:r>
+              <a:rPr lang="ko-KR" altLang="en-US" dirty="0" smtClean="0"/>
+              <a:t> 일부러 </a:t>
+            </a:r>
+            <a:r>
+              <a:rPr lang="ko-KR" altLang="en-US" dirty="0" smtClean="0"/>
+              <a:t>비워둠 </a:t>
+            </a:r>
+            <a:r>
+              <a:rPr lang="ko-KR" altLang="en-US" dirty="0" smtClean="0"/>
+              <a:t>내용이 있으면 오류가 발생</a:t>
+            </a:r>
+            <a:r>
+              <a:rPr lang="ko-KR" altLang="en-US" dirty="0" smtClean="0"/>
+              <a:t> </a:t>
+            </a:r>
+            <a:endParaRPr lang="en-US" altLang="ko-KR" dirty="0" smtClean="0"/>
+          </a:p>
+          <a:p>
+            <a:endParaRPr lang="en-US" dirty="0"/>
+          </a:p>
+        </p:txBody>
+      </p:sp>
+      <p:sp>
+        <p:nvSpPr>
+          <p:cNvPr id="4" name="Slide Number Placeholder 3"/>
+          <p:cNvSpPr>
+            <a:spLocks noGrp="1"/>
+          </p:cNvSpPr>
+          <p:nvPr>
+            <p:ph type="sldNum" sz="quarter" idx="10"/>
+          </p:nvPr>
+        </p:nvSpPr>
+        <p:spPr/>
+        <p:txBody>
+          <a:bodyPr/>
+          <a:lstStyle/>
+          <a:p>
+            <a:fld id="{81BAF5B1-B7EF-4140-80A7-A787287C8810}" type="slidenum">
+              <a:rPr lang="ko-KR" altLang="en-US" smtClean="0"/>
+              <a:t>114</a:t>
+            </a:fld>
+            <a:endParaRPr lang="ko-KR" altLang="en-US"/>
+          </a:p>
+        </p:txBody>
+      </p:sp>
+    </p:spTree>
+    <p:extLst>
+      <p:ext uri="{BB962C8B-B14F-4D97-AF65-F5344CB8AC3E}">
+        <p14:creationId xmlns:p14="http://schemas.microsoft.com/office/powerpoint/2010/main" val="2595381561"/>
+      </p:ext>
+    </p:extLst>
+  </p:cSld>
+  <p:clrMapOvr>
+    <a:masterClrMapping/>
+  </p:clrMapOvr>
+</p:notes>
+</file>
+
+<file path=ppt/notesSlides/notesSlide34.xml><?xml version="1.0" encoding="utf-8"?>
+<p:notes xmlns:a="http://schemas.openxmlformats.org/drawingml/2006/main" xmlns:r="http://schemas.openxmlformats.org/officeDocument/2006/relationships" xmlns:p="http://schemas.openxmlformats.org/presentationml/2006/main">
+  <p:cSld>
+    <p:spTree>
+      <p:nvGrpSpPr>
+        <p:cNvPr id="1" name=""/>
+        <p:cNvGrpSpPr/>
+        <p:nvPr/>
+      </p:nvGrpSpPr>
+      <p:grpSpPr>
+        <a:xfrm>
+          <a:off x="0" y="0"/>
+          <a:ext cx="0" cy="0"/>
+          <a:chOff x="0" y="0"/>
+          <a:chExt cx="0" cy="0"/>
+        </a:xfrm>
+      </p:grpSpPr>
+      <p:sp>
+        <p:nvSpPr>
+          <p:cNvPr id="2" name="Slide Image Placeholder 1"/>
+          <p:cNvSpPr>
+            <a:spLocks noGrp="1" noRot="1" noChangeAspect="1"/>
+          </p:cNvSpPr>
+          <p:nvPr>
+            <p:ph type="sldImg"/>
+          </p:nvPr>
+        </p:nvSpPr>
+        <p:spPr/>
+      </p:sp>
+      <p:sp>
+        <p:nvSpPr>
+          <p:cNvPr id="3" name="Notes Placeholder 2"/>
+          <p:cNvSpPr>
+            <a:spLocks noGrp="1"/>
+          </p:cNvSpPr>
+          <p:nvPr>
+            <p:ph type="body" idx="1"/>
+          </p:nvPr>
+        </p:nvSpPr>
+        <p:spPr/>
+        <p:txBody>
+          <a:bodyPr/>
+          <a:lstStyle/>
+          <a:p>
+            <a:r>
+              <a:rPr lang="en-US" altLang="ko-KR" dirty="0" err="1" smtClean="0"/>
+              <a:t>db.board.find</a:t>
+            </a:r>
+            <a:r>
+              <a:rPr lang="en-US" altLang="ko-KR" dirty="0" smtClean="0"/>
+              <a:t>().skip(1)</a:t>
+            </a:r>
+            <a:endParaRPr lang="en-US" altLang="ko-KR" dirty="0" smtClean="0"/>
+          </a:p>
+        </p:txBody>
+      </p:sp>
+      <p:sp>
+        <p:nvSpPr>
+          <p:cNvPr id="4" name="Slide Number Placeholder 3"/>
+          <p:cNvSpPr>
+            <a:spLocks noGrp="1"/>
+          </p:cNvSpPr>
+          <p:nvPr>
+            <p:ph type="sldNum" sz="quarter" idx="10"/>
+          </p:nvPr>
+        </p:nvSpPr>
+        <p:spPr/>
+        <p:txBody>
+          <a:bodyPr/>
+          <a:lstStyle/>
+          <a:p>
+            <a:fld id="{81BAF5B1-B7EF-4140-80A7-A787287C8810}" type="slidenum">
+              <a:rPr lang="ko-KR" altLang="en-US" smtClean="0"/>
+              <a:t>118</a:t>
+            </a:fld>
+            <a:endParaRPr lang="ko-KR" altLang="en-US"/>
+          </a:p>
+        </p:txBody>
+      </p:sp>
+    </p:spTree>
+    <p:extLst>
+      <p:ext uri="{BB962C8B-B14F-4D97-AF65-F5344CB8AC3E}">
+        <p14:creationId xmlns:p14="http://schemas.microsoft.com/office/powerpoint/2010/main" val="1551442034"/>
       </p:ext>
     </p:extLst>
   </p:cSld>
@@ -2489,11 +3545,7 @@
           <a:p>
             <a:r>
               <a:rPr lang="en-US" dirty="0" err="1" smtClean="0"/>
-              <a:t>J</a:t>
-            </a:r>
-            <a:r>
-              <a:rPr lang="en-US" dirty="0" err="1" smtClean="0"/>
-              <a:t>query</a:t>
+              <a:t>Jquery</a:t>
             </a:r>
             <a:r>
               <a:rPr lang="ko-KR" altLang="en-US" dirty="0" smtClean="0"/>
@@ -3000,7 +4052,7 @@
             <a:fld id="{BE51CA39-0188-4816-A2DA-971D0143A733}" type="datetimeFigureOut">
               <a:rPr lang="ko-KR" altLang="en-US" smtClean="0"/>
               <a:pPr/>
-              <a:t>17. 9. 5.</a:t>
+              <a:t>17. 9. 9.</a:t>
             </a:fld>
             <a:endParaRPr lang="ko-KR" altLang="en-US"/>
           </a:p>
@@ -3272,7 +4324,7 @@
             <a:fld id="{BE51CA39-0188-4816-A2DA-971D0143A733}" type="datetimeFigureOut">
               <a:rPr lang="ko-KR" altLang="en-US" smtClean="0"/>
               <a:pPr/>
-              <a:t>17. 9. 5.</a:t>
+              <a:t>17. 9. 9.</a:t>
             </a:fld>
             <a:endParaRPr lang="ko-KR" altLang="en-US"/>
           </a:p>
@@ -3521,7 +4573,7 @@
             <a:fld id="{BE51CA39-0188-4816-A2DA-971D0143A733}" type="datetimeFigureOut">
               <a:rPr lang="ko-KR" altLang="en-US" smtClean="0"/>
               <a:pPr/>
-              <a:t>17. 9. 5.</a:t>
+              <a:t>17. 9. 9.</a:t>
             </a:fld>
             <a:endParaRPr lang="ko-KR" altLang="en-US"/>
           </a:p>
@@ -3686,7 +4738,7 @@
             <a:fld id="{BE51CA39-0188-4816-A2DA-971D0143A733}" type="datetimeFigureOut">
               <a:rPr lang="ko-KR" altLang="en-US" smtClean="0"/>
               <a:pPr/>
-              <a:t>17. 9. 5.</a:t>
+              <a:t>17. 9. 9.</a:t>
             </a:fld>
             <a:endParaRPr lang="ko-KR" altLang="en-US"/>
           </a:p>
@@ -3861,7 +4913,7 @@
             <a:fld id="{BE51CA39-0188-4816-A2DA-971D0143A733}" type="datetimeFigureOut">
               <a:rPr lang="ko-KR" altLang="en-US" smtClean="0"/>
               <a:pPr/>
-              <a:t>17. 9. 5.</a:t>
+              <a:t>17. 9. 9.</a:t>
             </a:fld>
             <a:endParaRPr lang="ko-KR" altLang="en-US"/>
           </a:p>
@@ -4026,7 +5078,7 @@
             <a:fld id="{BE51CA39-0188-4816-A2DA-971D0143A733}" type="datetimeFigureOut">
               <a:rPr lang="ko-KR" altLang="en-US" smtClean="0"/>
               <a:pPr/>
-              <a:t>17. 9. 5.</a:t>
+              <a:t>17. 9. 9.</a:t>
             </a:fld>
             <a:endParaRPr lang="ko-KR" altLang="en-US"/>
           </a:p>
@@ -4175,7 +5227,7 @@
             <a:fld id="{BE51CA39-0188-4816-A2DA-971D0143A733}" type="datetimeFigureOut">
               <a:rPr lang="ko-KR" altLang="en-US" smtClean="0"/>
               <a:pPr/>
-              <a:t>17. 9. 5.</a:t>
+              <a:t>17. 9. 9.</a:t>
             </a:fld>
             <a:endParaRPr lang="ko-KR" altLang="en-US"/>
           </a:p>
@@ -4463,7 +5515,7 @@
             <a:fld id="{BE51CA39-0188-4816-A2DA-971D0143A733}" type="datetimeFigureOut">
               <a:rPr lang="ko-KR" altLang="en-US" smtClean="0"/>
               <a:pPr/>
-              <a:t>17. 9. 5.</a:t>
+              <a:t>17. 9. 9.</a:t>
             </a:fld>
             <a:endParaRPr lang="ko-KR" altLang="en-US"/>
           </a:p>
@@ -4845,7 +5897,7 @@
             <a:fld id="{BE51CA39-0188-4816-A2DA-971D0143A733}" type="datetimeFigureOut">
               <a:rPr lang="ko-KR" altLang="en-US" smtClean="0"/>
               <a:pPr/>
-              <a:t>17. 9. 5.</a:t>
+              <a:t>17. 9. 9.</a:t>
             </a:fld>
             <a:endParaRPr lang="ko-KR" altLang="en-US"/>
           </a:p>
@@ -5261,7 +6313,7 @@
             <a:fld id="{BE51CA39-0188-4816-A2DA-971D0143A733}" type="datetimeFigureOut">
               <a:rPr lang="ko-KR" altLang="en-US" smtClean="0"/>
               <a:pPr/>
-              <a:t>17. 9. 5.</a:t>
+              <a:t>17. 9. 9.</a:t>
             </a:fld>
             <a:endParaRPr lang="ko-KR" altLang="en-US"/>
           </a:p>
@@ -5375,7 +6427,7 @@
             <a:fld id="{BE51CA39-0188-4816-A2DA-971D0143A733}" type="datetimeFigureOut">
               <a:rPr lang="ko-KR" altLang="en-US" smtClean="0"/>
               <a:pPr/>
-              <a:t>17. 9. 5.</a:t>
+              <a:t>17. 9. 9.</a:t>
             </a:fld>
             <a:endParaRPr lang="ko-KR" altLang="en-US"/>
           </a:p>
@@ -5467,7 +6519,7 @@
             <a:fld id="{BE51CA39-0188-4816-A2DA-971D0143A733}" type="datetimeFigureOut">
               <a:rPr lang="ko-KR" altLang="en-US" smtClean="0"/>
               <a:pPr/>
-              <a:t>17. 9. 5.</a:t>
+              <a:t>17. 9. 9.</a:t>
             </a:fld>
             <a:endParaRPr lang="ko-KR" altLang="en-US"/>
           </a:p>
@@ -5675,7 +6727,7 @@
             <a:fld id="{BE51CA39-0188-4816-A2DA-971D0143A733}" type="datetimeFigureOut">
               <a:rPr lang="ko-KR" altLang="en-US" smtClean="0"/>
               <a:pPr/>
-              <a:t>17. 9. 5.</a:t>
+              <a:t>17. 9. 9.</a:t>
             </a:fld>
             <a:endParaRPr lang="ko-KR" altLang="en-US"/>
           </a:p>
@@ -7747,7 +8799,7 @@
           <a:p>
             <a:r>
               <a:rPr lang="en-US" altLang="ko-KR" dirty="0" smtClean="0">
-                <a:hlinkClick r:id="rId2"/>
+                <a:hlinkClick r:id="rId3"/>
               </a:rPr>
               <a:t>https://nodejs.junyoung.me/mongodb-dummy-data/</a:t>
             </a:r>
@@ -9466,8 +10518,13 @@
             </a:r>
             <a:r>
               <a:rPr lang="en-US" altLang="ko-KR" dirty="0" smtClean="0"/>
-              <a:t>().sort( { "hit" : -1 })</a:t>
-            </a:r>
+              <a:t>().sort( { "hit" : -1 }</a:t>
+            </a:r>
+            <a:r>
+              <a:rPr lang="en-US" altLang="ko-KR" dirty="0"/>
+              <a:t>) .pretty()</a:t>
+            </a:r>
+            <a:endParaRPr lang="en-US" altLang="ko-KR" dirty="0" smtClean="0"/>
           </a:p>
           <a:p>
             <a:r>
@@ -14673,11 +15730,7 @@
             </a:pPr>
             <a:r>
               <a:rPr lang="en-US" altLang="ko-KR" sz="2000" dirty="0" smtClean="0"/>
-              <a:t>function Car()</a:t>
-            </a:r>
-            <a:r>
-              <a:rPr lang="en-US" altLang="ko-KR" sz="2000" dirty="0" smtClean="0"/>
-              <a:t>{</a:t>
+              <a:t>function Car(){</a:t>
             </a:r>
           </a:p>
           <a:p>
@@ -14836,11 +15889,7 @@
             </a:r>
             <a:r>
               <a:rPr lang="en-US" altLang="ko-KR" sz="2000" dirty="0" smtClean="0"/>
-              <a:t>)</a:t>
-            </a:r>
-            <a:r>
-              <a:rPr lang="en-US" altLang="ko-KR" sz="2000" dirty="0" smtClean="0"/>
-              <a:t>{</a:t>
+              <a:t>){</a:t>
             </a:r>
           </a:p>
           <a:p>
@@ -15401,11 +16450,7 @@
             </a:r>
             <a:r>
               <a:rPr lang="en-US" altLang="ko-KR" sz="2700" dirty="0" smtClean="0"/>
-              <a:t> = function()</a:t>
-            </a:r>
-            <a:r>
-              <a:rPr lang="en-US" altLang="ko-KR" sz="2700" dirty="0" smtClean="0"/>
-              <a:t>{</a:t>
+              <a:t> = function(){</a:t>
             </a:r>
           </a:p>
           <a:p>
@@ -15428,7 +16473,6 @@
               <a:rPr lang="en-US" altLang="ko-KR" sz="2700" dirty="0" smtClean="0"/>
               <a:t>each</a:t>
             </a:r>
-            <a:endParaRPr lang="en-US" altLang="ko-KR" sz="2700" dirty="0" smtClean="0"/>
           </a:p>
           <a:p>
             <a:pPr>
@@ -25207,7 +26251,7 @@
           <p:nvPr/>
         </p:nvPicPr>
         <p:blipFill>
-          <a:blip r:embed="rId2" cstate="print"/>
+          <a:blip r:embed="rId3" cstate="print"/>
           <a:stretch>
             <a:fillRect/>
           </a:stretch>
@@ -25514,7 +26558,7 @@
           <a:p>
             <a:r>
               <a:rPr lang="en-US" altLang="ko-KR" dirty="0" smtClean="0">
-                <a:hlinkClick r:id="rId2"/>
+                <a:hlinkClick r:id="rId3"/>
               </a:rPr>
               <a:t>https://robomongo.org/</a:t>
             </a:r>
